--- a/plots/recov.together_textadd.pptx
+++ b/plots/recov.together_textadd.pptx
@@ -243,7 +243,7 @@
           <a:p>
             <a:fld id="{A114BF70-A435-E145-9844-083C89DD5658}" type="datetimeFigureOut">
               <a:rPr lang="en-US" smtClean="0"/>
-              <a:t>3/31/23</a:t>
+              <a:t>6/26/23</a:t>
             </a:fld>
             <a:endParaRPr lang="en-US"/>
           </a:p>
@@ -413,7 +413,7 @@
           <a:p>
             <a:fld id="{A114BF70-A435-E145-9844-083C89DD5658}" type="datetimeFigureOut">
               <a:rPr lang="en-US" smtClean="0"/>
-              <a:t>3/31/23</a:t>
+              <a:t>6/26/23</a:t>
             </a:fld>
             <a:endParaRPr lang="en-US"/>
           </a:p>
@@ -593,7 +593,7 @@
           <a:p>
             <a:fld id="{A114BF70-A435-E145-9844-083C89DD5658}" type="datetimeFigureOut">
               <a:rPr lang="en-US" smtClean="0"/>
-              <a:t>3/31/23</a:t>
+              <a:t>6/26/23</a:t>
             </a:fld>
             <a:endParaRPr lang="en-US"/>
           </a:p>
@@ -763,7 +763,7 @@
           <a:p>
             <a:fld id="{A114BF70-A435-E145-9844-083C89DD5658}" type="datetimeFigureOut">
               <a:rPr lang="en-US" smtClean="0"/>
-              <a:t>3/31/23</a:t>
+              <a:t>6/26/23</a:t>
             </a:fld>
             <a:endParaRPr lang="en-US"/>
           </a:p>
@@ -1009,7 +1009,7 @@
           <a:p>
             <a:fld id="{A114BF70-A435-E145-9844-083C89DD5658}" type="datetimeFigureOut">
               <a:rPr lang="en-US" smtClean="0"/>
-              <a:t>3/31/23</a:t>
+              <a:t>6/26/23</a:t>
             </a:fld>
             <a:endParaRPr lang="en-US"/>
           </a:p>
@@ -1241,7 +1241,7 @@
           <a:p>
             <a:fld id="{A114BF70-A435-E145-9844-083C89DD5658}" type="datetimeFigureOut">
               <a:rPr lang="en-US" smtClean="0"/>
-              <a:t>3/31/23</a:t>
+              <a:t>6/26/23</a:t>
             </a:fld>
             <a:endParaRPr lang="en-US"/>
           </a:p>
@@ -1608,7 +1608,7 @@
           <a:p>
             <a:fld id="{A114BF70-A435-E145-9844-083C89DD5658}" type="datetimeFigureOut">
               <a:rPr lang="en-US" smtClean="0"/>
-              <a:t>3/31/23</a:t>
+              <a:t>6/26/23</a:t>
             </a:fld>
             <a:endParaRPr lang="en-US"/>
           </a:p>
@@ -1726,7 +1726,7 @@
           <a:p>
             <a:fld id="{A114BF70-A435-E145-9844-083C89DD5658}" type="datetimeFigureOut">
               <a:rPr lang="en-US" smtClean="0"/>
-              <a:t>3/31/23</a:t>
+              <a:t>6/26/23</a:t>
             </a:fld>
             <a:endParaRPr lang="en-US"/>
           </a:p>
@@ -1821,7 +1821,7 @@
           <a:p>
             <a:fld id="{A114BF70-A435-E145-9844-083C89DD5658}" type="datetimeFigureOut">
               <a:rPr lang="en-US" smtClean="0"/>
-              <a:t>3/31/23</a:t>
+              <a:t>6/26/23</a:t>
             </a:fld>
             <a:endParaRPr lang="en-US"/>
           </a:p>
@@ -2098,7 +2098,7 @@
           <a:p>
             <a:fld id="{A114BF70-A435-E145-9844-083C89DD5658}" type="datetimeFigureOut">
               <a:rPr lang="en-US" smtClean="0"/>
-              <a:t>3/31/23</a:t>
+              <a:t>6/26/23</a:t>
             </a:fld>
             <a:endParaRPr lang="en-US"/>
           </a:p>
@@ -2355,7 +2355,7 @@
           <a:p>
             <a:fld id="{A114BF70-A435-E145-9844-083C89DD5658}" type="datetimeFigureOut">
               <a:rPr lang="en-US" smtClean="0"/>
-              <a:t>3/31/23</a:t>
+              <a:t>6/26/23</a:t>
             </a:fld>
             <a:endParaRPr lang="en-US"/>
           </a:p>
@@ -2568,7 +2568,7 @@
           <a:p>
             <a:fld id="{A114BF70-A435-E145-9844-083C89DD5658}" type="datetimeFigureOut">
               <a:rPr lang="en-US" smtClean="0"/>
-              <a:t>3/31/23</a:t>
+              <a:t>6/26/23</a:t>
             </a:fld>
             <a:endParaRPr lang="en-US"/>
           </a:p>
@@ -3016,7 +3016,7 @@
         </p:nvSpPr>
         <p:spPr>
           <a:xfrm rot="16200000">
-            <a:off x="11528345" y="1937198"/>
+            <a:off x="11528345" y="1984966"/>
             <a:ext cx="1574319" cy="430887"/>
           </a:xfrm>
           <a:prstGeom prst="rect">
@@ -3053,7 +3053,7 @@
         </p:nvSpPr>
         <p:spPr>
           <a:xfrm rot="16200000">
-            <a:off x="11528345" y="3743049"/>
+            <a:off x="11526012" y="3777228"/>
             <a:ext cx="1574319" cy="430887"/>
           </a:xfrm>
           <a:prstGeom prst="rect">
@@ -3090,8 +3090,8 @@
         </p:nvSpPr>
         <p:spPr>
           <a:xfrm>
-            <a:off x="11855429" y="1126018"/>
-            <a:ext cx="244633" cy="2045316"/>
+            <a:off x="11821188" y="1150864"/>
+            <a:ext cx="244633" cy="2204586"/>
           </a:xfrm>
           <a:prstGeom prst="rightBrace">
             <a:avLst>
@@ -3138,8 +3138,8 @@
         </p:nvSpPr>
         <p:spPr>
           <a:xfrm>
-            <a:off x="11858969" y="3261674"/>
-            <a:ext cx="244633" cy="1294696"/>
+            <a:off x="11821188" y="3553905"/>
+            <a:ext cx="244633" cy="1038581"/>
           </a:xfrm>
           <a:prstGeom prst="rightBrace">
             <a:avLst>
@@ -3225,9 +3225,9 @@
           <p:nvPr/>
         </p:nvCxnSpPr>
         <p:spPr>
-          <a:xfrm flipH="1" flipV="1">
-            <a:off x="10472296" y="1629300"/>
-            <a:ext cx="10160" cy="195796"/>
+          <a:xfrm flipV="1">
+            <a:off x="10482456" y="1496860"/>
+            <a:ext cx="0" cy="328236"/>
           </a:xfrm>
           <a:prstGeom prst="straightConnector1">
             <a:avLst/>
@@ -3268,7 +3268,7 @@
         <p:spPr>
           <a:xfrm>
             <a:off x="10497884" y="2246909"/>
-            <a:ext cx="0" cy="192383"/>
+            <a:ext cx="0" cy="302138"/>
           </a:xfrm>
           <a:prstGeom prst="straightConnector1">
             <a:avLst/>

--- a/plots/recov.together_textadd.pptx
+++ b/plots/recov.together_textadd.pptx
@@ -3091,7 +3091,7 @@
         <p:spPr>
           <a:xfrm>
             <a:off x="11821188" y="1150864"/>
-            <a:ext cx="244633" cy="2204586"/>
+            <a:ext cx="244633" cy="2054648"/>
           </a:xfrm>
           <a:prstGeom prst="rightBrace">
             <a:avLst>
@@ -3186,7 +3186,7 @@
         </p:nvSpPr>
         <p:spPr>
           <a:xfrm>
-            <a:off x="9383737" y="1816022"/>
+            <a:off x="9506285" y="1665194"/>
             <a:ext cx="2207974" cy="430887"/>
           </a:xfrm>
           <a:prstGeom prst="rect">
@@ -3226,8 +3226,8 @@
         </p:nvCxnSpPr>
         <p:spPr>
           <a:xfrm flipV="1">
-            <a:off x="10482456" y="1496860"/>
-            <a:ext cx="0" cy="328236"/>
+            <a:off x="10605004" y="1413250"/>
+            <a:ext cx="0" cy="261018"/>
           </a:xfrm>
           <a:prstGeom prst="straightConnector1">
             <a:avLst/>
@@ -3267,8 +3267,8 @@
         </p:nvCxnSpPr>
         <p:spPr>
           <a:xfrm>
-            <a:off x="10497884" y="2246909"/>
-            <a:ext cx="0" cy="302138"/>
+            <a:off x="10620432" y="2096081"/>
+            <a:ext cx="0" cy="240023"/>
           </a:xfrm>
           <a:prstGeom prst="straightConnector1">
             <a:avLst/>

--- a/plots/recov.together_textadd.pptx
+++ b/plots/recov.together_textadd.pptx
@@ -243,7 +243,7 @@
           <a:p>
             <a:fld id="{A114BF70-A435-E145-9844-083C89DD5658}" type="datetimeFigureOut">
               <a:rPr lang="en-US" smtClean="0"/>
-              <a:t>6/26/23</a:t>
+              <a:t>10/5/23</a:t>
             </a:fld>
             <a:endParaRPr lang="en-US"/>
           </a:p>
@@ -413,7 +413,7 @@
           <a:p>
             <a:fld id="{A114BF70-A435-E145-9844-083C89DD5658}" type="datetimeFigureOut">
               <a:rPr lang="en-US" smtClean="0"/>
-              <a:t>6/26/23</a:t>
+              <a:t>10/5/23</a:t>
             </a:fld>
             <a:endParaRPr lang="en-US"/>
           </a:p>
@@ -593,7 +593,7 @@
           <a:p>
             <a:fld id="{A114BF70-A435-E145-9844-083C89DD5658}" type="datetimeFigureOut">
               <a:rPr lang="en-US" smtClean="0"/>
-              <a:t>6/26/23</a:t>
+              <a:t>10/5/23</a:t>
             </a:fld>
             <a:endParaRPr lang="en-US"/>
           </a:p>
@@ -763,7 +763,7 @@
           <a:p>
             <a:fld id="{A114BF70-A435-E145-9844-083C89DD5658}" type="datetimeFigureOut">
               <a:rPr lang="en-US" smtClean="0"/>
-              <a:t>6/26/23</a:t>
+              <a:t>10/5/23</a:t>
             </a:fld>
             <a:endParaRPr lang="en-US"/>
           </a:p>
@@ -1009,7 +1009,7 @@
           <a:p>
             <a:fld id="{A114BF70-A435-E145-9844-083C89DD5658}" type="datetimeFigureOut">
               <a:rPr lang="en-US" smtClean="0"/>
-              <a:t>6/26/23</a:t>
+              <a:t>10/5/23</a:t>
             </a:fld>
             <a:endParaRPr lang="en-US"/>
           </a:p>
@@ -1241,7 +1241,7 @@
           <a:p>
             <a:fld id="{A114BF70-A435-E145-9844-083C89DD5658}" type="datetimeFigureOut">
               <a:rPr lang="en-US" smtClean="0"/>
-              <a:t>6/26/23</a:t>
+              <a:t>10/5/23</a:t>
             </a:fld>
             <a:endParaRPr lang="en-US"/>
           </a:p>
@@ -1608,7 +1608,7 @@
           <a:p>
             <a:fld id="{A114BF70-A435-E145-9844-083C89DD5658}" type="datetimeFigureOut">
               <a:rPr lang="en-US" smtClean="0"/>
-              <a:t>6/26/23</a:t>
+              <a:t>10/5/23</a:t>
             </a:fld>
             <a:endParaRPr lang="en-US"/>
           </a:p>
@@ -1726,7 +1726,7 @@
           <a:p>
             <a:fld id="{A114BF70-A435-E145-9844-083C89DD5658}" type="datetimeFigureOut">
               <a:rPr lang="en-US" smtClean="0"/>
-              <a:t>6/26/23</a:t>
+              <a:t>10/5/23</a:t>
             </a:fld>
             <a:endParaRPr lang="en-US"/>
           </a:p>
@@ -1821,7 +1821,7 @@
           <a:p>
             <a:fld id="{A114BF70-A435-E145-9844-083C89DD5658}" type="datetimeFigureOut">
               <a:rPr lang="en-US" smtClean="0"/>
-              <a:t>6/26/23</a:t>
+              <a:t>10/5/23</a:t>
             </a:fld>
             <a:endParaRPr lang="en-US"/>
           </a:p>
@@ -2098,7 +2098,7 @@
           <a:p>
             <a:fld id="{A114BF70-A435-E145-9844-083C89DD5658}" type="datetimeFigureOut">
               <a:rPr lang="en-US" smtClean="0"/>
-              <a:t>6/26/23</a:t>
+              <a:t>10/5/23</a:t>
             </a:fld>
             <a:endParaRPr lang="en-US"/>
           </a:p>
@@ -2355,7 +2355,7 @@
           <a:p>
             <a:fld id="{A114BF70-A435-E145-9844-083C89DD5658}" type="datetimeFigureOut">
               <a:rPr lang="en-US" smtClean="0"/>
-              <a:t>6/26/23</a:t>
+              <a:t>10/5/23</a:t>
             </a:fld>
             <a:endParaRPr lang="en-US"/>
           </a:p>
@@ -2568,7 +2568,7 @@
           <a:p>
             <a:fld id="{A114BF70-A435-E145-9844-083C89DD5658}" type="datetimeFigureOut">
               <a:rPr lang="en-US" smtClean="0"/>
-              <a:t>6/26/23</a:t>
+              <a:t>10/5/23</a:t>
             </a:fld>
             <a:endParaRPr lang="en-US"/>
           </a:p>
@@ -3016,8 +3016,8 @@
         </p:nvSpPr>
         <p:spPr>
           <a:xfrm rot="16200000">
-            <a:off x="11528345" y="1984966"/>
-            <a:ext cx="1574319" cy="430887"/>
+            <a:off x="11481597" y="1922828"/>
+            <a:ext cx="1667816" cy="461665"/>
           </a:xfrm>
           <a:prstGeom prst="rect">
             <a:avLst/>
@@ -3031,7 +3031,7 @@
           <a:lstStyle/>
           <a:p>
             <a:r>
-              <a:rPr lang="en-US" sz="1100" dirty="0">
+              <a:rPr lang="en-US" sz="1200" dirty="0">
                 <a:latin typeface="Abadi MT Condensed Light" panose="020B0306030101010103" pitchFamily="34" charset="77"/>
               </a:rPr>
               <a:t>High probability of increase, low probability of extirpation</a:t>
@@ -3053,8 +3053,8 @@
         </p:nvSpPr>
         <p:spPr>
           <a:xfrm rot="16200000">
-            <a:off x="11526012" y="3777228"/>
-            <a:ext cx="1574319" cy="430887"/>
+            <a:off x="11427251" y="3860598"/>
+            <a:ext cx="1771842" cy="461665"/>
           </a:xfrm>
           <a:prstGeom prst="rect">
             <a:avLst/>
@@ -3068,7 +3068,7 @@
           <a:lstStyle/>
           <a:p>
             <a:r>
-              <a:rPr lang="en-US" sz="1100" dirty="0">
+              <a:rPr lang="en-US" sz="1200" dirty="0">
                 <a:latin typeface="Abadi MT Condensed Light" panose="020B0306030101010103" pitchFamily="34" charset="77"/>
               </a:rPr>
               <a:t>Low probability of increase, high probability of extirpation</a:t>
@@ -3090,8 +3090,8 @@
         </p:nvSpPr>
         <p:spPr>
           <a:xfrm>
-            <a:off x="11821188" y="1150864"/>
-            <a:ext cx="244633" cy="2054648"/>
+            <a:off x="11821188" y="1150862"/>
+            <a:ext cx="244633" cy="2395225"/>
           </a:xfrm>
           <a:prstGeom prst="rightBrace">
             <a:avLst>
@@ -3138,8 +3138,8 @@
         </p:nvSpPr>
         <p:spPr>
           <a:xfrm>
-            <a:off x="11821188" y="3553905"/>
-            <a:ext cx="244633" cy="1038581"/>
+            <a:off x="11821188" y="3601039"/>
+            <a:ext cx="244633" cy="991448"/>
           </a:xfrm>
           <a:prstGeom prst="rightBrace">
             <a:avLst>
@@ -3186,8 +3186,8 @@
         </p:nvSpPr>
         <p:spPr>
           <a:xfrm>
-            <a:off x="9506285" y="1665194"/>
-            <a:ext cx="2207974" cy="430887"/>
+            <a:off x="9373633" y="1962744"/>
+            <a:ext cx="2207974" cy="461665"/>
           </a:xfrm>
           <a:prstGeom prst="rect">
             <a:avLst/>
@@ -3202,7 +3202,7 @@
           <a:p>
             <a:pPr algn="ctr"/>
             <a:r>
-              <a:rPr lang="en-US" sz="1100" dirty="0">
+              <a:rPr lang="en-US" sz="1200" dirty="0">
                 <a:latin typeface="Abadi MT Condensed Light" panose="020B0306030101010103" pitchFamily="34" charset="77"/>
               </a:rPr>
               <a:t>Similar outcomes, more uncertainty in feeding effectiveness</a:t>
@@ -3226,8 +3226,8 @@
         </p:nvCxnSpPr>
         <p:spPr>
           <a:xfrm flipV="1">
-            <a:off x="10605004" y="1413250"/>
-            <a:ext cx="0" cy="261018"/>
+            <a:off x="10439762" y="1564849"/>
+            <a:ext cx="0" cy="406969"/>
           </a:xfrm>
           <a:prstGeom prst="straightConnector1">
             <a:avLst/>
@@ -3267,8 +3267,8 @@
         </p:nvCxnSpPr>
         <p:spPr>
           <a:xfrm>
-            <a:off x="10620432" y="2096081"/>
-            <a:ext cx="0" cy="240023"/>
+            <a:off x="10439762" y="2424409"/>
+            <a:ext cx="0" cy="384779"/>
           </a:xfrm>
           <a:prstGeom prst="straightConnector1">
             <a:avLst/>

--- a/plots/recov.together_textadd.pptx
+++ b/plots/recov.together_textadd.pptx
@@ -243,7 +243,7 @@
           <a:p>
             <a:fld id="{A114BF70-A435-E145-9844-083C89DD5658}" type="datetimeFigureOut">
               <a:rPr lang="en-US" smtClean="0"/>
-              <a:t>10/5/23</a:t>
+              <a:t>12/18/23</a:t>
             </a:fld>
             <a:endParaRPr lang="en-US"/>
           </a:p>
@@ -413,7 +413,7 @@
           <a:p>
             <a:fld id="{A114BF70-A435-E145-9844-083C89DD5658}" type="datetimeFigureOut">
               <a:rPr lang="en-US" smtClean="0"/>
-              <a:t>10/5/23</a:t>
+              <a:t>12/18/23</a:t>
             </a:fld>
             <a:endParaRPr lang="en-US"/>
           </a:p>
@@ -593,7 +593,7 @@
           <a:p>
             <a:fld id="{A114BF70-A435-E145-9844-083C89DD5658}" type="datetimeFigureOut">
               <a:rPr lang="en-US" smtClean="0"/>
-              <a:t>10/5/23</a:t>
+              <a:t>12/18/23</a:t>
             </a:fld>
             <a:endParaRPr lang="en-US"/>
           </a:p>
@@ -763,7 +763,7 @@
           <a:p>
             <a:fld id="{A114BF70-A435-E145-9844-083C89DD5658}" type="datetimeFigureOut">
               <a:rPr lang="en-US" smtClean="0"/>
-              <a:t>10/5/23</a:t>
+              <a:t>12/18/23</a:t>
             </a:fld>
             <a:endParaRPr lang="en-US"/>
           </a:p>
@@ -1009,7 +1009,7 @@
           <a:p>
             <a:fld id="{A114BF70-A435-E145-9844-083C89DD5658}" type="datetimeFigureOut">
               <a:rPr lang="en-US" smtClean="0"/>
-              <a:t>10/5/23</a:t>
+              <a:t>12/18/23</a:t>
             </a:fld>
             <a:endParaRPr lang="en-US"/>
           </a:p>
@@ -1241,7 +1241,7 @@
           <a:p>
             <a:fld id="{A114BF70-A435-E145-9844-083C89DD5658}" type="datetimeFigureOut">
               <a:rPr lang="en-US" smtClean="0"/>
-              <a:t>10/5/23</a:t>
+              <a:t>12/18/23</a:t>
             </a:fld>
             <a:endParaRPr lang="en-US"/>
           </a:p>
@@ -1608,7 +1608,7 @@
           <a:p>
             <a:fld id="{A114BF70-A435-E145-9844-083C89DD5658}" type="datetimeFigureOut">
               <a:rPr lang="en-US" smtClean="0"/>
-              <a:t>10/5/23</a:t>
+              <a:t>12/18/23</a:t>
             </a:fld>
             <a:endParaRPr lang="en-US"/>
           </a:p>
@@ -1726,7 +1726,7 @@
           <a:p>
             <a:fld id="{A114BF70-A435-E145-9844-083C89DD5658}" type="datetimeFigureOut">
               <a:rPr lang="en-US" smtClean="0"/>
-              <a:t>10/5/23</a:t>
+              <a:t>12/18/23</a:t>
             </a:fld>
             <a:endParaRPr lang="en-US"/>
           </a:p>
@@ -1821,7 +1821,7 @@
           <a:p>
             <a:fld id="{A114BF70-A435-E145-9844-083C89DD5658}" type="datetimeFigureOut">
               <a:rPr lang="en-US" smtClean="0"/>
-              <a:t>10/5/23</a:t>
+              <a:t>12/18/23</a:t>
             </a:fld>
             <a:endParaRPr lang="en-US"/>
           </a:p>
@@ -2098,7 +2098,7 @@
           <a:p>
             <a:fld id="{A114BF70-A435-E145-9844-083C89DD5658}" type="datetimeFigureOut">
               <a:rPr lang="en-US" smtClean="0"/>
-              <a:t>10/5/23</a:t>
+              <a:t>12/18/23</a:t>
             </a:fld>
             <a:endParaRPr lang="en-US"/>
           </a:p>
@@ -2355,7 +2355,7 @@
           <a:p>
             <a:fld id="{A114BF70-A435-E145-9844-083C89DD5658}" type="datetimeFigureOut">
               <a:rPr lang="en-US" smtClean="0"/>
-              <a:t>10/5/23</a:t>
+              <a:t>12/18/23</a:t>
             </a:fld>
             <a:endParaRPr lang="en-US"/>
           </a:p>
@@ -2568,7 +2568,7 @@
           <a:p>
             <a:fld id="{A114BF70-A435-E145-9844-083C89DD5658}" type="datetimeFigureOut">
               <a:rPr lang="en-US" smtClean="0"/>
-              <a:t>10/5/23</a:t>
+              <a:t>12/18/23</a:t>
             </a:fld>
             <a:endParaRPr lang="en-US"/>
           </a:p>
@@ -3091,7 +3091,7 @@
         <p:spPr>
           <a:xfrm>
             <a:off x="11821188" y="1150862"/>
-            <a:ext cx="244633" cy="2395225"/>
+            <a:ext cx="244633" cy="2516165"/>
           </a:xfrm>
           <a:prstGeom prst="rightBrace">
             <a:avLst>
@@ -3138,8 +3138,8 @@
         </p:nvSpPr>
         <p:spPr>
           <a:xfrm>
-            <a:off x="11821188" y="3601039"/>
-            <a:ext cx="244633" cy="991448"/>
+            <a:off x="11821188" y="3742441"/>
+            <a:ext cx="244633" cy="850046"/>
           </a:xfrm>
           <a:prstGeom prst="rightBrace">
             <a:avLst>
@@ -3172,126 +3172,6 @@
           </a:p>
         </p:txBody>
       </p:sp>
-      <p:sp>
-        <p:nvSpPr>
-          <p:cNvPr id="13" name="TextBox 12">
-            <a:extLst>
-              <a:ext uri="{FF2B5EF4-FFF2-40B4-BE49-F238E27FC236}">
-                <a16:creationId xmlns:a16="http://schemas.microsoft.com/office/drawing/2014/main" id="{BF2AE60A-7647-BCC5-6C54-78AE48AA46D8}"/>
-              </a:ext>
-            </a:extLst>
-          </p:cNvPr>
-          <p:cNvSpPr txBox="1"/>
-          <p:nvPr/>
-        </p:nvSpPr>
-        <p:spPr>
-          <a:xfrm>
-            <a:off x="9373633" y="1962744"/>
-            <a:ext cx="2207974" cy="461665"/>
-          </a:xfrm>
-          <a:prstGeom prst="rect">
-            <a:avLst/>
-          </a:prstGeom>
-          <a:noFill/>
-        </p:spPr>
-        <p:txBody>
-          <a:bodyPr wrap="square" rtlCol="0">
-            <a:spAutoFit/>
-          </a:bodyPr>
-          <a:lstStyle/>
-          <a:p>
-            <a:pPr algn="ctr"/>
-            <a:r>
-              <a:rPr lang="en-US" sz="1200" dirty="0">
-                <a:latin typeface="Abadi MT Condensed Light" panose="020B0306030101010103" pitchFamily="34" charset="77"/>
-              </a:rPr>
-              <a:t>Similar outcomes, more uncertainty in feeding effectiveness</a:t>
-            </a:r>
-          </a:p>
-        </p:txBody>
-      </p:sp>
-      <p:cxnSp>
-        <p:nvCxnSpPr>
-          <p:cNvPr id="15" name="Straight Arrow Connector 14">
-            <a:extLst>
-              <a:ext uri="{FF2B5EF4-FFF2-40B4-BE49-F238E27FC236}">
-                <a16:creationId xmlns:a16="http://schemas.microsoft.com/office/drawing/2014/main" id="{BCBC79A4-430E-28EC-9241-2FFEE38E9DA8}"/>
-              </a:ext>
-            </a:extLst>
-          </p:cNvPr>
-          <p:cNvCxnSpPr>
-            <a:cxnSpLocks/>
-          </p:cNvCxnSpPr>
-          <p:nvPr/>
-        </p:nvCxnSpPr>
-        <p:spPr>
-          <a:xfrm flipV="1">
-            <a:off x="10439762" y="1564849"/>
-            <a:ext cx="0" cy="406969"/>
-          </a:xfrm>
-          <a:prstGeom prst="straightConnector1">
-            <a:avLst/>
-          </a:prstGeom>
-          <a:ln>
-            <a:tailEnd type="triangle"/>
-          </a:ln>
-        </p:spPr>
-        <p:style>
-          <a:lnRef idx="1">
-            <a:schemeClr val="dk1"/>
-          </a:lnRef>
-          <a:fillRef idx="0">
-            <a:schemeClr val="dk1"/>
-          </a:fillRef>
-          <a:effectRef idx="0">
-            <a:schemeClr val="dk1"/>
-          </a:effectRef>
-          <a:fontRef idx="minor">
-            <a:schemeClr val="tx1"/>
-          </a:fontRef>
-        </p:style>
-      </p:cxnSp>
-      <p:cxnSp>
-        <p:nvCxnSpPr>
-          <p:cNvPr id="17" name="Straight Arrow Connector 16">
-            <a:extLst>
-              <a:ext uri="{FF2B5EF4-FFF2-40B4-BE49-F238E27FC236}">
-                <a16:creationId xmlns:a16="http://schemas.microsoft.com/office/drawing/2014/main" id="{39377630-1A16-B301-B552-791ABE0A9CB0}"/>
-              </a:ext>
-            </a:extLst>
-          </p:cNvPr>
-          <p:cNvCxnSpPr>
-            <a:cxnSpLocks/>
-          </p:cNvCxnSpPr>
-          <p:nvPr/>
-        </p:nvCxnSpPr>
-        <p:spPr>
-          <a:xfrm>
-            <a:off x="10439762" y="2424409"/>
-            <a:ext cx="0" cy="384779"/>
-          </a:xfrm>
-          <a:prstGeom prst="straightConnector1">
-            <a:avLst/>
-          </a:prstGeom>
-          <a:ln>
-            <a:tailEnd type="triangle"/>
-          </a:ln>
-        </p:spPr>
-        <p:style>
-          <a:lnRef idx="1">
-            <a:schemeClr val="dk1"/>
-          </a:lnRef>
-          <a:fillRef idx="0">
-            <a:schemeClr val="dk1"/>
-          </a:fillRef>
-          <a:effectRef idx="0">
-            <a:schemeClr val="dk1"/>
-          </a:effectRef>
-          <a:fontRef idx="minor">
-            <a:schemeClr val="tx1"/>
-          </a:fontRef>
-        </p:style>
-      </p:cxnSp>
     </p:spTree>
     <p:extLst>
       <p:ext uri="{BB962C8B-B14F-4D97-AF65-F5344CB8AC3E}">

--- a/plots/recov.together_textadd.pptx
+++ b/plots/recov.together_textadd.pptx
@@ -243,7 +243,7 @@
           <a:p>
             <a:fld id="{A114BF70-A435-E145-9844-083C89DD5658}" type="datetimeFigureOut">
               <a:rPr lang="en-US" smtClean="0"/>
-              <a:t>12/18/23</a:t>
+              <a:t>12/22/23</a:t>
             </a:fld>
             <a:endParaRPr lang="en-US"/>
           </a:p>
@@ -413,7 +413,7 @@
           <a:p>
             <a:fld id="{A114BF70-A435-E145-9844-083C89DD5658}" type="datetimeFigureOut">
               <a:rPr lang="en-US" smtClean="0"/>
-              <a:t>12/18/23</a:t>
+              <a:t>12/22/23</a:t>
             </a:fld>
             <a:endParaRPr lang="en-US"/>
           </a:p>
@@ -593,7 +593,7 @@
           <a:p>
             <a:fld id="{A114BF70-A435-E145-9844-083C89DD5658}" type="datetimeFigureOut">
               <a:rPr lang="en-US" smtClean="0"/>
-              <a:t>12/18/23</a:t>
+              <a:t>12/22/23</a:t>
             </a:fld>
             <a:endParaRPr lang="en-US"/>
           </a:p>
@@ -763,7 +763,7 @@
           <a:p>
             <a:fld id="{A114BF70-A435-E145-9844-083C89DD5658}" type="datetimeFigureOut">
               <a:rPr lang="en-US" smtClean="0"/>
-              <a:t>12/18/23</a:t>
+              <a:t>12/22/23</a:t>
             </a:fld>
             <a:endParaRPr lang="en-US"/>
           </a:p>
@@ -1009,7 +1009,7 @@
           <a:p>
             <a:fld id="{A114BF70-A435-E145-9844-083C89DD5658}" type="datetimeFigureOut">
               <a:rPr lang="en-US" smtClean="0"/>
-              <a:t>12/18/23</a:t>
+              <a:t>12/22/23</a:t>
             </a:fld>
             <a:endParaRPr lang="en-US"/>
           </a:p>
@@ -1241,7 +1241,7 @@
           <a:p>
             <a:fld id="{A114BF70-A435-E145-9844-083C89DD5658}" type="datetimeFigureOut">
               <a:rPr lang="en-US" smtClean="0"/>
-              <a:t>12/18/23</a:t>
+              <a:t>12/22/23</a:t>
             </a:fld>
             <a:endParaRPr lang="en-US"/>
           </a:p>
@@ -1608,7 +1608,7 @@
           <a:p>
             <a:fld id="{A114BF70-A435-E145-9844-083C89DD5658}" type="datetimeFigureOut">
               <a:rPr lang="en-US" smtClean="0"/>
-              <a:t>12/18/23</a:t>
+              <a:t>12/22/23</a:t>
             </a:fld>
             <a:endParaRPr lang="en-US"/>
           </a:p>
@@ -1726,7 +1726,7 @@
           <a:p>
             <a:fld id="{A114BF70-A435-E145-9844-083C89DD5658}" type="datetimeFigureOut">
               <a:rPr lang="en-US" smtClean="0"/>
-              <a:t>12/18/23</a:t>
+              <a:t>12/22/23</a:t>
             </a:fld>
             <a:endParaRPr lang="en-US"/>
           </a:p>
@@ -1821,7 +1821,7 @@
           <a:p>
             <a:fld id="{A114BF70-A435-E145-9844-083C89DD5658}" type="datetimeFigureOut">
               <a:rPr lang="en-US" smtClean="0"/>
-              <a:t>12/18/23</a:t>
+              <a:t>12/22/23</a:t>
             </a:fld>
             <a:endParaRPr lang="en-US"/>
           </a:p>
@@ -2098,7 +2098,7 @@
           <a:p>
             <a:fld id="{A114BF70-A435-E145-9844-083C89DD5658}" type="datetimeFigureOut">
               <a:rPr lang="en-US" smtClean="0"/>
-              <a:t>12/18/23</a:t>
+              <a:t>12/22/23</a:t>
             </a:fld>
             <a:endParaRPr lang="en-US"/>
           </a:p>
@@ -2355,7 +2355,7 @@
           <a:p>
             <a:fld id="{A114BF70-A435-E145-9844-083C89DD5658}" type="datetimeFigureOut">
               <a:rPr lang="en-US" smtClean="0"/>
-              <a:t>12/18/23</a:t>
+              <a:t>12/22/23</a:t>
             </a:fld>
             <a:endParaRPr lang="en-US"/>
           </a:p>
@@ -2568,7 +2568,7 @@
           <a:p>
             <a:fld id="{A114BF70-A435-E145-9844-083C89DD5658}" type="datetimeFigureOut">
               <a:rPr lang="en-US" smtClean="0"/>
-              <a:t>12/18/23</a:t>
+              <a:t>12/22/23</a:t>
             </a:fld>
             <a:endParaRPr lang="en-US"/>
           </a:p>
@@ -3016,7 +3016,7 @@
         </p:nvSpPr>
         <p:spPr>
           <a:xfrm rot="16200000">
-            <a:off x="11481597" y="1922828"/>
+            <a:off x="11436447" y="1933586"/>
             <a:ext cx="1667816" cy="461665"/>
           </a:xfrm>
           <a:prstGeom prst="rect">
@@ -3053,7 +3053,7 @@
         </p:nvSpPr>
         <p:spPr>
           <a:xfrm rot="16200000">
-            <a:off x="11427251" y="3860598"/>
+            <a:off x="11382101" y="3871356"/>
             <a:ext cx="1771842" cy="461665"/>
           </a:xfrm>
           <a:prstGeom prst="rect">
@@ -3090,8 +3090,8 @@
         </p:nvSpPr>
         <p:spPr>
           <a:xfrm>
-            <a:off x="11821188" y="1150862"/>
-            <a:ext cx="244633" cy="2516165"/>
+            <a:off x="11776038" y="1161620"/>
+            <a:ext cx="244633" cy="2221730"/>
           </a:xfrm>
           <a:prstGeom prst="rightBrace">
             <a:avLst>
@@ -3138,8 +3138,8 @@
         </p:nvSpPr>
         <p:spPr>
           <a:xfrm>
-            <a:off x="11821188" y="3742441"/>
-            <a:ext cx="244633" cy="850046"/>
+            <a:off x="11776038" y="3458561"/>
+            <a:ext cx="244633" cy="1144684"/>
           </a:xfrm>
           <a:prstGeom prst="rightBrace">
             <a:avLst>

--- a/plots/recov.together_textadd.pptx
+++ b/plots/recov.together_textadd.pptx
@@ -243,7 +243,7 @@
           <a:p>
             <a:fld id="{A114BF70-A435-E145-9844-083C89DD5658}" type="datetimeFigureOut">
               <a:rPr lang="en-US" smtClean="0"/>
-              <a:t>12/22/23</a:t>
+              <a:t>12/27/23</a:t>
             </a:fld>
             <a:endParaRPr lang="en-US"/>
           </a:p>
@@ -413,7 +413,7 @@
           <a:p>
             <a:fld id="{A114BF70-A435-E145-9844-083C89DD5658}" type="datetimeFigureOut">
               <a:rPr lang="en-US" smtClean="0"/>
-              <a:t>12/22/23</a:t>
+              <a:t>12/27/23</a:t>
             </a:fld>
             <a:endParaRPr lang="en-US"/>
           </a:p>
@@ -593,7 +593,7 @@
           <a:p>
             <a:fld id="{A114BF70-A435-E145-9844-083C89DD5658}" type="datetimeFigureOut">
               <a:rPr lang="en-US" smtClean="0"/>
-              <a:t>12/22/23</a:t>
+              <a:t>12/27/23</a:t>
             </a:fld>
             <a:endParaRPr lang="en-US"/>
           </a:p>
@@ -763,7 +763,7 @@
           <a:p>
             <a:fld id="{A114BF70-A435-E145-9844-083C89DD5658}" type="datetimeFigureOut">
               <a:rPr lang="en-US" smtClean="0"/>
-              <a:t>12/22/23</a:t>
+              <a:t>12/27/23</a:t>
             </a:fld>
             <a:endParaRPr lang="en-US"/>
           </a:p>
@@ -1009,7 +1009,7 @@
           <a:p>
             <a:fld id="{A114BF70-A435-E145-9844-083C89DD5658}" type="datetimeFigureOut">
               <a:rPr lang="en-US" smtClean="0"/>
-              <a:t>12/22/23</a:t>
+              <a:t>12/27/23</a:t>
             </a:fld>
             <a:endParaRPr lang="en-US"/>
           </a:p>
@@ -1241,7 +1241,7 @@
           <a:p>
             <a:fld id="{A114BF70-A435-E145-9844-083C89DD5658}" type="datetimeFigureOut">
               <a:rPr lang="en-US" smtClean="0"/>
-              <a:t>12/22/23</a:t>
+              <a:t>12/27/23</a:t>
             </a:fld>
             <a:endParaRPr lang="en-US"/>
           </a:p>
@@ -1608,7 +1608,7 @@
           <a:p>
             <a:fld id="{A114BF70-A435-E145-9844-083C89DD5658}" type="datetimeFigureOut">
               <a:rPr lang="en-US" smtClean="0"/>
-              <a:t>12/22/23</a:t>
+              <a:t>12/27/23</a:t>
             </a:fld>
             <a:endParaRPr lang="en-US"/>
           </a:p>
@@ -1726,7 +1726,7 @@
           <a:p>
             <a:fld id="{A114BF70-A435-E145-9844-083C89DD5658}" type="datetimeFigureOut">
               <a:rPr lang="en-US" smtClean="0"/>
-              <a:t>12/22/23</a:t>
+              <a:t>12/27/23</a:t>
             </a:fld>
             <a:endParaRPr lang="en-US"/>
           </a:p>
@@ -1821,7 +1821,7 @@
           <a:p>
             <a:fld id="{A114BF70-A435-E145-9844-083C89DD5658}" type="datetimeFigureOut">
               <a:rPr lang="en-US" smtClean="0"/>
-              <a:t>12/22/23</a:t>
+              <a:t>12/27/23</a:t>
             </a:fld>
             <a:endParaRPr lang="en-US"/>
           </a:p>
@@ -2098,7 +2098,7 @@
           <a:p>
             <a:fld id="{A114BF70-A435-E145-9844-083C89DD5658}" type="datetimeFigureOut">
               <a:rPr lang="en-US" smtClean="0"/>
-              <a:t>12/22/23</a:t>
+              <a:t>12/27/23</a:t>
             </a:fld>
             <a:endParaRPr lang="en-US"/>
           </a:p>
@@ -2355,7 +2355,7 @@
           <a:p>
             <a:fld id="{A114BF70-A435-E145-9844-083C89DD5658}" type="datetimeFigureOut">
               <a:rPr lang="en-US" smtClean="0"/>
-              <a:t>12/22/23</a:t>
+              <a:t>12/27/23</a:t>
             </a:fld>
             <a:endParaRPr lang="en-US"/>
           </a:p>
@@ -2568,7 +2568,7 @@
           <a:p>
             <a:fld id="{A114BF70-A435-E145-9844-083C89DD5658}" type="datetimeFigureOut">
               <a:rPr lang="en-US" smtClean="0"/>
-              <a:t>12/22/23</a:t>
+              <a:t>12/27/23</a:t>
             </a:fld>
             <a:endParaRPr lang="en-US"/>
           </a:p>
@@ -3016,7 +3016,7 @@
         </p:nvSpPr>
         <p:spPr>
           <a:xfrm rot="16200000">
-            <a:off x="11436447" y="1933586"/>
+            <a:off x="11436448" y="1987618"/>
             <a:ext cx="1667816" cy="461665"/>
           </a:xfrm>
           <a:prstGeom prst="rect">
@@ -3053,8 +3053,8 @@
         </p:nvSpPr>
         <p:spPr>
           <a:xfrm rot="16200000">
-            <a:off x="11382101" y="3871356"/>
-            <a:ext cx="1771842" cy="461665"/>
+            <a:off x="11390934" y="3800070"/>
+            <a:ext cx="1758845" cy="461665"/>
           </a:xfrm>
           <a:prstGeom prst="rect">
             <a:avLst/>
@@ -3090,8 +3090,8 @@
         </p:nvSpPr>
         <p:spPr>
           <a:xfrm>
-            <a:off x="11776038" y="1161620"/>
-            <a:ext cx="244633" cy="2221730"/>
+            <a:off x="11776038" y="1053553"/>
+            <a:ext cx="244633" cy="2329797"/>
           </a:xfrm>
           <a:prstGeom prst="rightBrace">
             <a:avLst>
@@ -3140,6 +3140,91 @@
           <a:xfrm>
             <a:off x="11776038" y="3458561"/>
             <a:ext cx="244633" cy="1144684"/>
+          </a:xfrm>
+          <a:prstGeom prst="rightBrace">
+            <a:avLst>
+              <a:gd name="adj1" fmla="val 49015"/>
+              <a:gd name="adj2" fmla="val 50000"/>
+            </a:avLst>
+          </a:prstGeom>
+          <a:ln w="19050"/>
+        </p:spPr>
+        <p:style>
+          <a:lnRef idx="1">
+            <a:schemeClr val="dk1"/>
+          </a:lnRef>
+          <a:fillRef idx="0">
+            <a:schemeClr val="dk1"/>
+          </a:fillRef>
+          <a:effectRef idx="0">
+            <a:schemeClr val="dk1"/>
+          </a:effectRef>
+          <a:fontRef idx="minor">
+            <a:schemeClr val="tx1"/>
+          </a:fontRef>
+        </p:style>
+        <p:txBody>
+          <a:bodyPr rtlCol="0" anchor="ctr"/>
+          <a:lstStyle/>
+          <a:p>
+            <a:pPr algn="ctr"/>
+            <a:endParaRPr lang="en-US"/>
+          </a:p>
+        </p:txBody>
+      </p:sp>
+      <p:sp>
+        <p:nvSpPr>
+          <p:cNvPr id="2" name="TextBox 1">
+            <a:extLst>
+              <a:ext uri="{FF2B5EF4-FFF2-40B4-BE49-F238E27FC236}">
+                <a16:creationId xmlns:a16="http://schemas.microsoft.com/office/drawing/2014/main" id="{1323D6CC-422E-2332-9B5C-1AE17B584A0D}"/>
+              </a:ext>
+            </a:extLst>
+          </p:cNvPr>
+          <p:cNvSpPr txBox="1"/>
+          <p:nvPr/>
+        </p:nvSpPr>
+        <p:spPr>
+          <a:xfrm rot="16200000">
+            <a:off x="10848637" y="1487301"/>
+            <a:ext cx="1393137" cy="461665"/>
+          </a:xfrm>
+          <a:prstGeom prst="rect">
+            <a:avLst/>
+          </a:prstGeom>
+          <a:noFill/>
+        </p:spPr>
+        <p:txBody>
+          <a:bodyPr wrap="square" rtlCol="0">
+            <a:spAutoFit/>
+          </a:bodyPr>
+          <a:lstStyle/>
+          <a:p>
+            <a:r>
+              <a:rPr lang="en-US" sz="1200" dirty="0">
+                <a:latin typeface="Abadi MT Condensed Light" panose="020B0306030101010103" pitchFamily="34" charset="77"/>
+              </a:rPr>
+              <a:t>Similar outcomes, more uncertainty in feeding</a:t>
+            </a:r>
+          </a:p>
+        </p:txBody>
+      </p:sp>
+      <p:sp>
+        <p:nvSpPr>
+          <p:cNvPr id="3" name="Right Brace 2">
+            <a:extLst>
+              <a:ext uri="{FF2B5EF4-FFF2-40B4-BE49-F238E27FC236}">
+                <a16:creationId xmlns:a16="http://schemas.microsoft.com/office/drawing/2014/main" id="{F418323B-DB01-083D-A4D2-3C2B33395E84}"/>
+              </a:ext>
+            </a:extLst>
+          </p:cNvPr>
+          <p:cNvSpPr/>
+          <p:nvPr/>
+        </p:nvSpPr>
+        <p:spPr>
+          <a:xfrm>
+            <a:off x="11182631" y="1053553"/>
+            <a:ext cx="185824" cy="1329162"/>
           </a:xfrm>
           <a:prstGeom prst="rightBrace">
             <a:avLst>

--- a/plots/recov.together_textadd.pptx
+++ b/plots/recov.together_textadd.pptx
@@ -3138,8 +3138,8 @@
         </p:nvSpPr>
         <p:spPr>
           <a:xfrm>
-            <a:off x="11776038" y="3458561"/>
-            <a:ext cx="244633" cy="1144684"/>
+            <a:off x="11776038" y="3535051"/>
+            <a:ext cx="244633" cy="1068193"/>
           </a:xfrm>
           <a:prstGeom prst="rightBrace">
             <a:avLst>

--- a/plots/recov.together_textadd.pptx
+++ b/plots/recov.together_textadd.pptx
@@ -243,7 +243,7 @@
           <a:p>
             <a:fld id="{A114BF70-A435-E145-9844-083C89DD5658}" type="datetimeFigureOut">
               <a:rPr lang="en-US" smtClean="0"/>
-              <a:t>12/27/23</a:t>
+              <a:t>12/28/23</a:t>
             </a:fld>
             <a:endParaRPr lang="en-US"/>
           </a:p>
@@ -413,7 +413,7 @@
           <a:p>
             <a:fld id="{A114BF70-A435-E145-9844-083C89DD5658}" type="datetimeFigureOut">
               <a:rPr lang="en-US" smtClean="0"/>
-              <a:t>12/27/23</a:t>
+              <a:t>12/28/23</a:t>
             </a:fld>
             <a:endParaRPr lang="en-US"/>
           </a:p>
@@ -593,7 +593,7 @@
           <a:p>
             <a:fld id="{A114BF70-A435-E145-9844-083C89DD5658}" type="datetimeFigureOut">
               <a:rPr lang="en-US" smtClean="0"/>
-              <a:t>12/27/23</a:t>
+              <a:t>12/28/23</a:t>
             </a:fld>
             <a:endParaRPr lang="en-US"/>
           </a:p>
@@ -763,7 +763,7 @@
           <a:p>
             <a:fld id="{A114BF70-A435-E145-9844-083C89DD5658}" type="datetimeFigureOut">
               <a:rPr lang="en-US" smtClean="0"/>
-              <a:t>12/27/23</a:t>
+              <a:t>12/28/23</a:t>
             </a:fld>
             <a:endParaRPr lang="en-US"/>
           </a:p>
@@ -1009,7 +1009,7 @@
           <a:p>
             <a:fld id="{A114BF70-A435-E145-9844-083C89DD5658}" type="datetimeFigureOut">
               <a:rPr lang="en-US" smtClean="0"/>
-              <a:t>12/27/23</a:t>
+              <a:t>12/28/23</a:t>
             </a:fld>
             <a:endParaRPr lang="en-US"/>
           </a:p>
@@ -1241,7 +1241,7 @@
           <a:p>
             <a:fld id="{A114BF70-A435-E145-9844-083C89DD5658}" type="datetimeFigureOut">
               <a:rPr lang="en-US" smtClean="0"/>
-              <a:t>12/27/23</a:t>
+              <a:t>12/28/23</a:t>
             </a:fld>
             <a:endParaRPr lang="en-US"/>
           </a:p>
@@ -1608,7 +1608,7 @@
           <a:p>
             <a:fld id="{A114BF70-A435-E145-9844-083C89DD5658}" type="datetimeFigureOut">
               <a:rPr lang="en-US" smtClean="0"/>
-              <a:t>12/27/23</a:t>
+              <a:t>12/28/23</a:t>
             </a:fld>
             <a:endParaRPr lang="en-US"/>
           </a:p>
@@ -1726,7 +1726,7 @@
           <a:p>
             <a:fld id="{A114BF70-A435-E145-9844-083C89DD5658}" type="datetimeFigureOut">
               <a:rPr lang="en-US" smtClean="0"/>
-              <a:t>12/27/23</a:t>
+              <a:t>12/28/23</a:t>
             </a:fld>
             <a:endParaRPr lang="en-US"/>
           </a:p>
@@ -1821,7 +1821,7 @@
           <a:p>
             <a:fld id="{A114BF70-A435-E145-9844-083C89DD5658}" type="datetimeFigureOut">
               <a:rPr lang="en-US" smtClean="0"/>
-              <a:t>12/27/23</a:t>
+              <a:t>12/28/23</a:t>
             </a:fld>
             <a:endParaRPr lang="en-US"/>
           </a:p>
@@ -2098,7 +2098,7 @@
           <a:p>
             <a:fld id="{A114BF70-A435-E145-9844-083C89DD5658}" type="datetimeFigureOut">
               <a:rPr lang="en-US" smtClean="0"/>
-              <a:t>12/27/23</a:t>
+              <a:t>12/28/23</a:t>
             </a:fld>
             <a:endParaRPr lang="en-US"/>
           </a:p>
@@ -2355,7 +2355,7 @@
           <a:p>
             <a:fld id="{A114BF70-A435-E145-9844-083C89DD5658}" type="datetimeFigureOut">
               <a:rPr lang="en-US" smtClean="0"/>
-              <a:t>12/27/23</a:t>
+              <a:t>12/28/23</a:t>
             </a:fld>
             <a:endParaRPr lang="en-US"/>
           </a:p>
@@ -2568,7 +2568,7 @@
           <a:p>
             <a:fld id="{A114BF70-A435-E145-9844-083C89DD5658}" type="datetimeFigureOut">
               <a:rPr lang="en-US" smtClean="0"/>
-              <a:t>12/27/23</a:t>
+              <a:t>12/28/23</a:t>
             </a:fld>
             <a:endParaRPr lang="en-US"/>
           </a:p>
@@ -3091,7 +3091,7 @@
         <p:spPr>
           <a:xfrm>
             <a:off x="11776038" y="1053553"/>
-            <a:ext cx="244633" cy="2329797"/>
+            <a:ext cx="244633" cy="2097927"/>
           </a:xfrm>
           <a:prstGeom prst="rightBrace">
             <a:avLst>
